--- a/[zhiyinEdit]PRMGT_Presentation.pptx
+++ b/[zhiyinEdit]PRMGT_Presentation.pptx
@@ -30,15 +30,17 @@
     <p:sldId id="270" r:id="rId24"/>
     <p:sldId id="272" r:id="rId25"/>
     <p:sldId id="274" r:id="rId26"/>
-    <p:sldId id="273" r:id="rId27"/>
-    <p:sldId id="292" r:id="rId28"/>
-    <p:sldId id="293" r:id="rId29"/>
-    <p:sldId id="271" r:id="rId30"/>
-    <p:sldId id="275" r:id="rId31"/>
-    <p:sldId id="294" r:id="rId32"/>
-    <p:sldId id="295" r:id="rId33"/>
-    <p:sldId id="276" r:id="rId34"/>
-    <p:sldId id="277" r:id="rId35"/>
+    <p:sldId id="296" r:id="rId27"/>
+    <p:sldId id="297" r:id="rId28"/>
+    <p:sldId id="273" r:id="rId29"/>
+    <p:sldId id="292" r:id="rId30"/>
+    <p:sldId id="293" r:id="rId31"/>
+    <p:sldId id="271" r:id="rId32"/>
+    <p:sldId id="275" r:id="rId33"/>
+    <p:sldId id="294" r:id="rId34"/>
+    <p:sldId id="295" r:id="rId35"/>
+    <p:sldId id="276" r:id="rId36"/>
+    <p:sldId id="277" r:id="rId37"/>
   </p:sldIdLst>
   <p:sldSz cx="12192000" cy="6858000"/>
   <p:notesSz cx="6858000" cy="9144000"/>
@@ -284,7 +286,7 @@
           <a:p>
             <a:fld id="{48A87A34-81AB-432B-8DAE-1953F412C126}" type="datetimeFigureOut">
               <a:rPr lang="en-US" dirty="0"/>
-              <a:t>10-Sep-18</a:t>
+              <a:t>9/10/2018</a:t>
             </a:fld>
             <a:endParaRPr lang="en-US" dirty="0"/>
           </a:p>
@@ -490,7 +492,7 @@
           <a:p>
             <a:fld id="{48A87A34-81AB-432B-8DAE-1953F412C126}" type="datetimeFigureOut">
               <a:rPr lang="en-US" dirty="0"/>
-              <a:t>10-Sep-18</a:t>
+              <a:t>9/10/2018</a:t>
             </a:fld>
             <a:endParaRPr lang="en-US" dirty="0"/>
           </a:p>
@@ -700,7 +702,7 @@
           <a:p>
             <a:fld id="{48A87A34-81AB-432B-8DAE-1953F412C126}" type="datetimeFigureOut">
               <a:rPr lang="en-US" dirty="0"/>
-              <a:t>10-Sep-18</a:t>
+              <a:t>9/10/2018</a:t>
             </a:fld>
             <a:endParaRPr lang="en-US" dirty="0"/>
           </a:p>
@@ -896,7 +898,7 @@
           <a:p>
             <a:fld id="{48A87A34-81AB-432B-8DAE-1953F412C126}" type="datetimeFigureOut">
               <a:rPr lang="en-US" dirty="0"/>
-              <a:t>10-Sep-18</a:t>
+              <a:t>9/10/2018</a:t>
             </a:fld>
             <a:endParaRPr lang="en-US" dirty="0"/>
           </a:p>
@@ -1170,7 +1172,7 @@
           <a:p>
             <a:fld id="{48A87A34-81AB-432B-8DAE-1953F412C126}" type="datetimeFigureOut">
               <a:rPr lang="en-US" dirty="0"/>
-              <a:t>10-Sep-18</a:t>
+              <a:t>9/10/2018</a:t>
             </a:fld>
             <a:endParaRPr lang="en-US" dirty="0"/>
           </a:p>
@@ -1433,7 +1435,7 @@
           <a:p>
             <a:fld id="{48A87A34-81AB-432B-8DAE-1953F412C126}" type="datetimeFigureOut">
               <a:rPr lang="en-US" dirty="0"/>
-              <a:t>10-Sep-18</a:t>
+              <a:t>9/10/2018</a:t>
             </a:fld>
             <a:endParaRPr lang="en-US" dirty="0"/>
           </a:p>
@@ -1844,7 +1846,7 @@
           <a:p>
             <a:fld id="{48A87A34-81AB-432B-8DAE-1953F412C126}" type="datetimeFigureOut">
               <a:rPr lang="en-US" dirty="0"/>
-              <a:t>10-Sep-18</a:t>
+              <a:t>9/10/2018</a:t>
             </a:fld>
             <a:endParaRPr lang="en-US" dirty="0"/>
           </a:p>
@@ -1988,7 +1990,7 @@
           <a:p>
             <a:fld id="{48A87A34-81AB-432B-8DAE-1953F412C126}" type="datetimeFigureOut">
               <a:rPr lang="en-US" dirty="0"/>
-              <a:t>10-Sep-18</a:t>
+              <a:t>9/10/2018</a:t>
             </a:fld>
             <a:endParaRPr lang="en-US" dirty="0"/>
           </a:p>
@@ -2109,7 +2111,7 @@
           <a:p>
             <a:fld id="{48A87A34-81AB-432B-8DAE-1953F412C126}" type="datetimeFigureOut">
               <a:rPr lang="en-US" dirty="0"/>
-              <a:t>10-Sep-18</a:t>
+              <a:t>9/10/2018</a:t>
             </a:fld>
             <a:endParaRPr lang="en-US" dirty="0"/>
           </a:p>
@@ -2355,7 +2357,7 @@
           <a:p>
             <a:fld id="{48A87A34-81AB-432B-8DAE-1953F412C126}" type="datetimeFigureOut">
               <a:rPr lang="en-US" dirty="0"/>
-              <a:t>10-Sep-18</a:t>
+              <a:t>9/10/2018</a:t>
             </a:fld>
             <a:endParaRPr lang="en-US" dirty="0"/>
           </a:p>
@@ -2796,7 +2798,7 @@
             <a:fld id="{48A87A34-81AB-432B-8DAE-1953F412C126}" type="datetimeFigureOut">
               <a:rPr lang="en-US" dirty="0"/>
               <a:pPr/>
-              <a:t>10-Sep-18</a:t>
+              <a:t>9/10/2018</a:t>
             </a:fld>
             <a:endParaRPr lang="en-US" dirty="0"/>
           </a:p>
@@ -3118,7 +3120,7 @@
             <a:fld id="{48A87A34-81AB-432B-8DAE-1953F412C126}" type="datetimeFigureOut">
               <a:rPr lang="en-US" dirty="0"/>
               <a:pPr/>
-              <a:t>10-Sep-18</a:t>
+              <a:t>9/10/2018</a:t>
             </a:fld>
             <a:endParaRPr lang="en-US" dirty="0"/>
           </a:p>
@@ -3632,6 +3634,10 @@
               <a:rPr lang="en-US" sz="10700" b="1" i="1" dirty="0"/>
               <a:t>PRMGT</a:t>
             </a:r>
+            <a:r>
+              <a:rPr lang="en-US" sz="8000" b="1" i="1" dirty="0"/>
+              <a:t/>
+            </a:r>
             <a:br>
               <a:rPr lang="en-US" sz="8000" b="1" i="1" dirty="0"/>
             </a:br>
@@ -17550,7 +17556,7 @@
         <p:spPr>
           <a:xfrm>
             <a:off x="318049" y="200108"/>
-            <a:ext cx="7294332" cy="769441"/>
+            <a:ext cx="8179406" cy="769441"/>
           </a:xfrm>
           <a:prstGeom prst="rect">
             <a:avLst/>
@@ -17565,8 +17571,13 @@
           <a:p>
             <a:r>
               <a:rPr lang="en-US" sz="4400" u="sng" dirty="0"/>
-              <a:t>Human Resource Management</a:t>
-            </a:r>
+              <a:t>Human Resource </a:t>
+            </a:r>
+            <a:r>
+              <a:rPr lang="en-US" sz="4400" u="sng" dirty="0" smtClean="0"/>
+              <a:t>Management (1)</a:t>
+            </a:r>
+            <a:endParaRPr lang="en-US" sz="4400" u="sng" dirty="0"/>
           </a:p>
         </p:txBody>
       </p:sp>
@@ -17584,8 +17595,8 @@
         </p:nvSpPr>
         <p:spPr>
           <a:xfrm>
-            <a:off x="318049" y="1541228"/>
-            <a:ext cx="10204175" cy="1077218"/>
+            <a:off x="318049" y="2162952"/>
+            <a:ext cx="10204175" cy="2677656"/>
           </a:xfrm>
           <a:prstGeom prst="rect">
             <a:avLst/>
@@ -17598,15 +17609,45 @@
           </a:bodyPr>
           <a:lstStyle/>
           <a:p>
-            <a:pPr marL="514350" indent="-514350">
+            <a:pPr marL="457200" indent="-457200">
               <a:buFont typeface="Arial" panose="020B0604020202020204" pitchFamily="34" charset="0"/>
               <a:buChar char="•"/>
             </a:pPr>
             <a:r>
-              <a:rPr lang="en-US" sz="3200" b="1" dirty="0"/>
-              <a:t>?</a:t>
-            </a:r>
-            <a:endParaRPr lang="en-US" sz="3200" dirty="0"/>
+              <a:rPr lang="en-US" sz="3200" b="1" dirty="0" smtClean="0"/>
+              <a:t>PLAN</a:t>
+            </a:r>
+          </a:p>
+          <a:p>
+            <a:pPr marL="914400" lvl="1" indent="-457200">
+              <a:buFont typeface="Wingdings" panose="05000000000000000000" pitchFamily="2" charset="2"/>
+              <a:buChar char="Ø"/>
+            </a:pPr>
+            <a:r>
+              <a:rPr lang="en-US" sz="3200" dirty="0" smtClean="0"/>
+              <a:t>Pre-Assignment</a:t>
+            </a:r>
+          </a:p>
+          <a:p>
+            <a:pPr marL="1371600" lvl="2" indent="-457200">
+              <a:buFont typeface="Wingdings" panose="05000000000000000000" pitchFamily="2" charset="2"/>
+              <a:buChar char="ü"/>
+            </a:pPr>
+            <a:r>
+              <a:rPr lang="en-US" sz="2400" dirty="0" smtClean="0"/>
+              <a:t>Assign team members to work on tasks according to the WBS by HRM</a:t>
+            </a:r>
+          </a:p>
+          <a:p>
+            <a:pPr marL="1371600" lvl="2" indent="-457200">
+              <a:buFont typeface="Wingdings" panose="05000000000000000000" pitchFamily="2" charset="2"/>
+              <a:buChar char="ü"/>
+            </a:pPr>
+            <a:r>
+              <a:rPr lang="en-US" sz="2400" dirty="0" smtClean="0"/>
+              <a:t>Have team members provide regular updates to the project manager</a:t>
+            </a:r>
+            <a:endParaRPr lang="en-US" sz="2400" dirty="0"/>
           </a:p>
           <a:p>
             <a:pPr marL="971550" lvl="1" indent="-514350">
@@ -17614,6 +17655,100 @@
               <a:buChar char="ü"/>
             </a:pPr>
             <a:endParaRPr lang="en-US" sz="3200" dirty="0"/>
+          </a:p>
+        </p:txBody>
+      </p:sp>
+      <p:sp>
+        <p:nvSpPr>
+          <p:cNvPr id="4" name="TextBox 3">
+            <a:extLst>
+              <a:ext uri="{FF2B5EF4-FFF2-40B4-BE49-F238E27FC236}">
+                <a16:creationId xmlns:a16="http://schemas.microsoft.com/office/drawing/2014/main" id="{46C86372-4248-4E95-96A7-4BF1F56F1F98}"/>
+              </a:ext>
+            </a:extLst>
+          </p:cNvPr>
+          <p:cNvSpPr txBox="1"/>
+          <p:nvPr/>
+        </p:nvSpPr>
+        <p:spPr>
+          <a:xfrm>
+            <a:off x="1235757" y="1273863"/>
+            <a:ext cx="8648153" cy="584775"/>
+          </a:xfrm>
+          <a:prstGeom prst="rect">
+            <a:avLst/>
+          </a:prstGeom>
+          <a:solidFill>
+            <a:srgbClr val="00B0F0">
+              <a:alpha val="50000"/>
+            </a:srgbClr>
+          </a:solidFill>
+          <a:ln w="38100">
+            <a:solidFill>
+              <a:schemeClr val="tx1"/>
+            </a:solidFill>
+          </a:ln>
+        </p:spPr>
+        <p:style>
+          <a:lnRef idx="2">
+            <a:schemeClr val="accent1">
+              <a:shade val="50000"/>
+            </a:schemeClr>
+          </a:lnRef>
+          <a:fillRef idx="1">
+            <a:schemeClr val="accent1"/>
+          </a:fillRef>
+          <a:effectRef idx="0">
+            <a:schemeClr val="accent1"/>
+          </a:effectRef>
+          <a:fontRef idx="minor">
+            <a:schemeClr val="lt1"/>
+          </a:fontRef>
+        </p:style>
+        <p:txBody>
+          <a:bodyPr wrap="square" rtlCol="0">
+            <a:spAutoFit/>
+          </a:bodyPr>
+          <a:lstStyle/>
+          <a:p>
+            <a:pPr algn="ctr"/>
+            <a:r>
+              <a:rPr lang="en-US" sz="3200" b="1" dirty="0">
+                <a:solidFill>
+                  <a:sysClr val="windowText" lastClr="000000"/>
+                </a:solidFill>
+              </a:rPr>
+              <a:t>Issue </a:t>
+            </a:r>
+            <a:r>
+              <a:rPr lang="en-US" sz="3200" b="1" dirty="0" smtClean="0">
+                <a:solidFill>
+                  <a:sysClr val="windowText" lastClr="000000"/>
+                </a:solidFill>
+              </a:rPr>
+              <a:t>6</a:t>
+            </a:r>
+            <a:r>
+              <a:rPr lang="en-US" sz="3200" dirty="0" smtClean="0">
+                <a:solidFill>
+                  <a:sysClr val="windowText" lastClr="000000"/>
+                </a:solidFill>
+              </a:rPr>
+              <a:t>: </a:t>
+            </a:r>
+            <a:r>
+              <a:rPr lang="en-US" sz="2800" i="1" dirty="0" smtClean="0">
+                <a:solidFill>
+                  <a:sysClr val="windowText" lastClr="000000"/>
+                </a:solidFill>
+              </a:rPr>
+              <a:t>WBS was done separately by each department</a:t>
+            </a:r>
+            <a:endParaRPr lang="en-US" sz="3200" i="1" dirty="0">
+              <a:solidFill>
+                <a:sysClr val="windowText" lastClr="000000"/>
+              </a:solidFill>
+            </a:endParaRPr>
           </a:p>
         </p:txBody>
       </p:sp>
@@ -17662,6 +17797,508 @@
         <p:spPr>
           <a:xfrm>
             <a:off x="318049" y="200108"/>
+            <a:ext cx="8179406" cy="769441"/>
+          </a:xfrm>
+          <a:prstGeom prst="rect">
+            <a:avLst/>
+          </a:prstGeom>
+          <a:noFill/>
+        </p:spPr>
+        <p:txBody>
+          <a:bodyPr wrap="square" rtlCol="0">
+            <a:spAutoFit/>
+          </a:bodyPr>
+          <a:lstStyle/>
+          <a:p>
+            <a:r>
+              <a:rPr lang="en-US" sz="4400" u="sng" dirty="0"/>
+              <a:t>Human Resource </a:t>
+            </a:r>
+            <a:r>
+              <a:rPr lang="en-US" sz="4400" u="sng" dirty="0" smtClean="0"/>
+              <a:t>Management (2)</a:t>
+            </a:r>
+            <a:endParaRPr lang="en-US" sz="4400" u="sng" dirty="0"/>
+          </a:p>
+        </p:txBody>
+      </p:sp>
+      <p:sp>
+        <p:nvSpPr>
+          <p:cNvPr id="3" name="TextBox 2">
+            <a:extLst>
+              <a:ext uri="{FF2B5EF4-FFF2-40B4-BE49-F238E27FC236}">
+                <a16:creationId xmlns:a16="http://schemas.microsoft.com/office/drawing/2014/main" id="{37E7C5E1-8744-44D3-A120-FFB9FB00DEA1}"/>
+              </a:ext>
+            </a:extLst>
+          </p:cNvPr>
+          <p:cNvSpPr txBox="1"/>
+          <p:nvPr/>
+        </p:nvSpPr>
+        <p:spPr>
+          <a:xfrm>
+            <a:off x="318049" y="2495461"/>
+            <a:ext cx="10204175" cy="2308324"/>
+          </a:xfrm>
+          <a:prstGeom prst="rect">
+            <a:avLst/>
+          </a:prstGeom>
+          <a:noFill/>
+        </p:spPr>
+        <p:txBody>
+          <a:bodyPr wrap="square" rtlCol="0">
+            <a:spAutoFit/>
+          </a:bodyPr>
+          <a:lstStyle/>
+          <a:p>
+            <a:pPr marL="457200" indent="-457200">
+              <a:buFont typeface="Arial" panose="020B0604020202020204" pitchFamily="34" charset="0"/>
+              <a:buChar char="•"/>
+            </a:pPr>
+            <a:r>
+              <a:rPr lang="en-US" sz="3200" b="1" dirty="0" smtClean="0"/>
+              <a:t>MANAGE</a:t>
+            </a:r>
+          </a:p>
+          <a:p>
+            <a:pPr marL="914400" lvl="1" indent="-457200">
+              <a:buFont typeface="Wingdings" panose="05000000000000000000" pitchFamily="2" charset="2"/>
+              <a:buChar char="Ø"/>
+            </a:pPr>
+            <a:r>
+              <a:rPr lang="en-US" sz="3200" dirty="0" smtClean="0"/>
+              <a:t>Performance Reviews</a:t>
+            </a:r>
+          </a:p>
+          <a:p>
+            <a:pPr marL="1371600" lvl="2" indent="-457200">
+              <a:buFont typeface="Wingdings" panose="05000000000000000000" pitchFamily="2" charset="2"/>
+              <a:buChar char="ü"/>
+            </a:pPr>
+            <a:r>
+              <a:rPr lang="en-US" sz="2400" dirty="0" smtClean="0"/>
+              <a:t>Conduct daily check routine on team members</a:t>
+            </a:r>
+          </a:p>
+          <a:p>
+            <a:pPr marL="1371600" lvl="2" indent="-457200">
+              <a:buFont typeface="Wingdings" panose="05000000000000000000" pitchFamily="2" charset="2"/>
+              <a:buChar char="ü"/>
+            </a:pPr>
+            <a:r>
+              <a:rPr lang="en-US" sz="2400" dirty="0" smtClean="0"/>
+              <a:t>Ensure project plan is followed</a:t>
+            </a:r>
+            <a:endParaRPr lang="en-US" sz="2400" dirty="0"/>
+          </a:p>
+          <a:p>
+            <a:pPr marL="971550" lvl="1" indent="-514350">
+              <a:buFont typeface="Wingdings" panose="05000000000000000000" pitchFamily="2" charset="2"/>
+              <a:buChar char="ü"/>
+            </a:pPr>
+            <a:endParaRPr lang="en-US" sz="3200" dirty="0"/>
+          </a:p>
+        </p:txBody>
+      </p:sp>
+      <p:sp>
+        <p:nvSpPr>
+          <p:cNvPr id="4" name="TextBox 3">
+            <a:extLst>
+              <a:ext uri="{FF2B5EF4-FFF2-40B4-BE49-F238E27FC236}">
+                <a16:creationId xmlns:a16="http://schemas.microsoft.com/office/drawing/2014/main" id="{46C86372-4248-4E95-96A7-4BF1F56F1F98}"/>
+              </a:ext>
+            </a:extLst>
+          </p:cNvPr>
+          <p:cNvSpPr txBox="1"/>
+          <p:nvPr/>
+        </p:nvSpPr>
+        <p:spPr>
+          <a:xfrm>
+            <a:off x="1235757" y="1273863"/>
+            <a:ext cx="8648153" cy="1015663"/>
+          </a:xfrm>
+          <a:prstGeom prst="rect">
+            <a:avLst/>
+          </a:prstGeom>
+          <a:solidFill>
+            <a:srgbClr val="FFFF00">
+              <a:alpha val="50000"/>
+            </a:srgbClr>
+          </a:solidFill>
+          <a:ln w="38100">
+            <a:solidFill>
+              <a:schemeClr val="tx1"/>
+            </a:solidFill>
+          </a:ln>
+        </p:spPr>
+        <p:style>
+          <a:lnRef idx="2">
+            <a:schemeClr val="accent1">
+              <a:shade val="50000"/>
+            </a:schemeClr>
+          </a:lnRef>
+          <a:fillRef idx="1">
+            <a:schemeClr val="accent1"/>
+          </a:fillRef>
+          <a:effectRef idx="0">
+            <a:schemeClr val="accent1"/>
+          </a:effectRef>
+          <a:fontRef idx="minor">
+            <a:schemeClr val="lt1"/>
+          </a:fontRef>
+        </p:style>
+        <p:txBody>
+          <a:bodyPr wrap="square" rtlCol="0">
+            <a:spAutoFit/>
+          </a:bodyPr>
+          <a:lstStyle/>
+          <a:p>
+            <a:pPr algn="ctr"/>
+            <a:r>
+              <a:rPr lang="en-US" sz="3200" b="1" dirty="0">
+                <a:solidFill>
+                  <a:sysClr val="windowText" lastClr="000000"/>
+                </a:solidFill>
+              </a:rPr>
+              <a:t>Issue </a:t>
+            </a:r>
+            <a:r>
+              <a:rPr lang="en-US" sz="3200" b="1" dirty="0">
+                <a:solidFill>
+                  <a:sysClr val="windowText" lastClr="000000"/>
+                </a:solidFill>
+              </a:rPr>
+              <a:t>7</a:t>
+            </a:r>
+            <a:r>
+              <a:rPr lang="en-US" sz="3200" dirty="0" smtClean="0">
+                <a:solidFill>
+                  <a:sysClr val="windowText" lastClr="000000"/>
+                </a:solidFill>
+              </a:rPr>
+              <a:t>: </a:t>
+            </a:r>
+            <a:r>
+              <a:rPr lang="en-US" sz="2800" i="1" dirty="0" smtClean="0">
+                <a:solidFill>
+                  <a:sysClr val="windowText" lastClr="000000"/>
+                </a:solidFill>
+              </a:rPr>
+              <a:t>Focusing on daily operation instead of Project Manager’s assigned tasks</a:t>
+            </a:r>
+            <a:endParaRPr lang="en-US" sz="3200" i="1" dirty="0">
+              <a:solidFill>
+                <a:sysClr val="windowText" lastClr="000000"/>
+              </a:solidFill>
+            </a:endParaRPr>
+          </a:p>
+        </p:txBody>
+      </p:sp>
+    </p:spTree>
+    <p:extLst>
+      <p:ext uri="{BB962C8B-B14F-4D97-AF65-F5344CB8AC3E}">
+        <p14:creationId xmlns:p14="http://schemas.microsoft.com/office/powerpoint/2010/main" val="3092420259"/>
+      </p:ext>
+    </p:extLst>
+  </p:cSld>
+  <p:clrMapOvr>
+    <a:masterClrMapping/>
+  </p:clrMapOvr>
+</p:sld>
+</file>
+
+<file path=ppt/slides/slide27.xml><?xml version="1.0" encoding="utf-8"?>
+<p:sld xmlns:a="http://schemas.openxmlformats.org/drawingml/2006/main" xmlns:r="http://schemas.openxmlformats.org/officeDocument/2006/relationships" xmlns:p="http://schemas.openxmlformats.org/presentationml/2006/main">
+  <p:cSld>
+    <p:spTree>
+      <p:nvGrpSpPr>
+        <p:cNvPr id="1" name=""/>
+        <p:cNvGrpSpPr/>
+        <p:nvPr/>
+      </p:nvGrpSpPr>
+      <p:grpSpPr>
+        <a:xfrm>
+          <a:off x="0" y="0"/>
+          <a:ext cx="0" cy="0"/>
+          <a:chOff x="0" y="0"/>
+          <a:chExt cx="0" cy="0"/>
+        </a:xfrm>
+      </p:grpSpPr>
+      <p:sp>
+        <p:nvSpPr>
+          <p:cNvPr id="2" name="TextBox 1">
+            <a:extLst>
+              <a:ext uri="{FF2B5EF4-FFF2-40B4-BE49-F238E27FC236}">
+                <a16:creationId xmlns:a16="http://schemas.microsoft.com/office/drawing/2014/main" id="{B7272488-AA4A-4AF9-97E6-2E857C9BA88D}"/>
+              </a:ext>
+            </a:extLst>
+          </p:cNvPr>
+          <p:cNvSpPr txBox="1"/>
+          <p:nvPr/>
+        </p:nvSpPr>
+        <p:spPr>
+          <a:xfrm>
+            <a:off x="318049" y="200108"/>
+            <a:ext cx="8179406" cy="769441"/>
+          </a:xfrm>
+          <a:prstGeom prst="rect">
+            <a:avLst/>
+          </a:prstGeom>
+          <a:noFill/>
+        </p:spPr>
+        <p:txBody>
+          <a:bodyPr wrap="square" rtlCol="0">
+            <a:spAutoFit/>
+          </a:bodyPr>
+          <a:lstStyle/>
+          <a:p>
+            <a:r>
+              <a:rPr lang="en-US" sz="4400" u="sng" dirty="0"/>
+              <a:t>Human Resource </a:t>
+            </a:r>
+            <a:r>
+              <a:rPr lang="en-US" sz="4400" u="sng" dirty="0" smtClean="0"/>
+              <a:t>Management (3)</a:t>
+            </a:r>
+            <a:endParaRPr lang="en-US" sz="4400" u="sng" dirty="0"/>
+          </a:p>
+        </p:txBody>
+      </p:sp>
+      <p:sp>
+        <p:nvSpPr>
+          <p:cNvPr id="3" name="TextBox 2">
+            <a:extLst>
+              <a:ext uri="{FF2B5EF4-FFF2-40B4-BE49-F238E27FC236}">
+                <a16:creationId xmlns:a16="http://schemas.microsoft.com/office/drawing/2014/main" id="{37E7C5E1-8744-44D3-A120-FFB9FB00DEA1}"/>
+              </a:ext>
+            </a:extLst>
+          </p:cNvPr>
+          <p:cNvSpPr txBox="1"/>
+          <p:nvPr/>
+        </p:nvSpPr>
+        <p:spPr>
+          <a:xfrm>
+            <a:off x="318049" y="2162952"/>
+            <a:ext cx="10204175" cy="1815882"/>
+          </a:xfrm>
+          <a:prstGeom prst="rect">
+            <a:avLst/>
+          </a:prstGeom>
+          <a:noFill/>
+        </p:spPr>
+        <p:txBody>
+          <a:bodyPr wrap="square" rtlCol="0">
+            <a:spAutoFit/>
+          </a:bodyPr>
+          <a:lstStyle/>
+          <a:p>
+            <a:pPr marL="457200" indent="-457200">
+              <a:buFont typeface="Arial" panose="020B0604020202020204" pitchFamily="34" charset="0"/>
+              <a:buChar char="•"/>
+            </a:pPr>
+            <a:r>
+              <a:rPr lang="en-US" sz="3200" b="1" dirty="0" smtClean="0"/>
+              <a:t>PLAN</a:t>
+            </a:r>
+          </a:p>
+          <a:p>
+            <a:pPr marL="914400" lvl="1" indent="-457200">
+              <a:buFont typeface="Wingdings" panose="05000000000000000000" pitchFamily="2" charset="2"/>
+              <a:buChar char="Ø"/>
+            </a:pPr>
+            <a:r>
+              <a:rPr lang="en-US" sz="3200" dirty="0" smtClean="0"/>
+              <a:t>Organization chart</a:t>
+            </a:r>
+          </a:p>
+          <a:p>
+            <a:pPr marL="1428750" lvl="2" indent="-514350">
+              <a:buFont typeface="Wingdings" panose="05000000000000000000" pitchFamily="2" charset="2"/>
+              <a:buChar char="ü"/>
+            </a:pPr>
+            <a:r>
+              <a:rPr lang="en-US" sz="2400" dirty="0" smtClean="0"/>
+              <a:t>Clear organizational chart</a:t>
+            </a:r>
+          </a:p>
+          <a:p>
+            <a:pPr marL="1428750" lvl="2" indent="-514350">
+              <a:buFont typeface="Wingdings" panose="05000000000000000000" pitchFamily="2" charset="2"/>
+              <a:buChar char="ü"/>
+            </a:pPr>
+            <a:r>
+              <a:rPr lang="en-US" sz="2400" dirty="0" smtClean="0"/>
+              <a:t>In matrix form</a:t>
+            </a:r>
+            <a:endParaRPr lang="en-US" sz="2400" dirty="0"/>
+          </a:p>
+        </p:txBody>
+      </p:sp>
+      <p:sp>
+        <p:nvSpPr>
+          <p:cNvPr id="4" name="TextBox 3">
+            <a:extLst>
+              <a:ext uri="{FF2B5EF4-FFF2-40B4-BE49-F238E27FC236}">
+                <a16:creationId xmlns:a16="http://schemas.microsoft.com/office/drawing/2014/main" id="{46C86372-4248-4E95-96A7-4BF1F56F1F98}"/>
+              </a:ext>
+            </a:extLst>
+          </p:cNvPr>
+          <p:cNvSpPr txBox="1"/>
+          <p:nvPr/>
+        </p:nvSpPr>
+        <p:spPr>
+          <a:xfrm>
+            <a:off x="1235757" y="1273863"/>
+            <a:ext cx="8648153" cy="584775"/>
+          </a:xfrm>
+          <a:prstGeom prst="rect">
+            <a:avLst/>
+          </a:prstGeom>
+          <a:solidFill>
+            <a:srgbClr val="FF0000">
+              <a:alpha val="50000"/>
+            </a:srgbClr>
+          </a:solidFill>
+          <a:ln w="38100">
+            <a:solidFill>
+              <a:schemeClr val="tx1"/>
+            </a:solidFill>
+          </a:ln>
+        </p:spPr>
+        <p:style>
+          <a:lnRef idx="2">
+            <a:schemeClr val="accent1">
+              <a:shade val="50000"/>
+            </a:schemeClr>
+          </a:lnRef>
+          <a:fillRef idx="1">
+            <a:schemeClr val="accent1"/>
+          </a:fillRef>
+          <a:effectRef idx="0">
+            <a:schemeClr val="accent1"/>
+          </a:effectRef>
+          <a:fontRef idx="minor">
+            <a:schemeClr val="lt1"/>
+          </a:fontRef>
+        </p:style>
+        <p:txBody>
+          <a:bodyPr wrap="square" rtlCol="0">
+            <a:spAutoFit/>
+          </a:bodyPr>
+          <a:lstStyle/>
+          <a:p>
+            <a:pPr algn="ctr"/>
+            <a:r>
+              <a:rPr lang="en-US" sz="3200" b="1" dirty="0">
+                <a:solidFill>
+                  <a:sysClr val="windowText" lastClr="000000"/>
+                </a:solidFill>
+              </a:rPr>
+              <a:t>Issue </a:t>
+            </a:r>
+            <a:r>
+              <a:rPr lang="en-US" sz="3200" b="1" dirty="0" smtClean="0">
+                <a:solidFill>
+                  <a:sysClr val="windowText" lastClr="000000"/>
+                </a:solidFill>
+              </a:rPr>
+              <a:t>13</a:t>
+            </a:r>
+            <a:r>
+              <a:rPr lang="en-US" sz="3200" dirty="0" smtClean="0">
+                <a:solidFill>
+                  <a:sysClr val="windowText" lastClr="000000"/>
+                </a:solidFill>
+              </a:rPr>
+              <a:t>: </a:t>
+            </a:r>
+            <a:r>
+              <a:rPr lang="en-US" sz="2800" i="1" dirty="0" smtClean="0">
+                <a:solidFill>
+                  <a:sysClr val="windowText" lastClr="000000"/>
+                </a:solidFill>
+              </a:rPr>
+              <a:t>No clear organizational structure</a:t>
+            </a:r>
+            <a:endParaRPr lang="en-US" sz="3200" i="1" dirty="0">
+              <a:solidFill>
+                <a:sysClr val="windowText" lastClr="000000"/>
+              </a:solidFill>
+            </a:endParaRPr>
+          </a:p>
+        </p:txBody>
+      </p:sp>
+      <p:pic>
+        <p:nvPicPr>
+          <p:cNvPr id="5" name="Picture 4"/>
+          <p:cNvPicPr/>
+          <p:nvPr/>
+        </p:nvPicPr>
+        <p:blipFill>
+          <a:blip r:embed="rId2"/>
+          <a:stretch>
+            <a:fillRect/>
+          </a:stretch>
+        </p:blipFill>
+        <p:spPr>
+          <a:xfrm>
+            <a:off x="5671762" y="2411845"/>
+            <a:ext cx="6094730" cy="2514600"/>
+          </a:xfrm>
+          <a:prstGeom prst="rect">
+            <a:avLst/>
+          </a:prstGeom>
+          <a:ln>
+            <a:solidFill>
+              <a:schemeClr val="tx1"/>
+            </a:solidFill>
+          </a:ln>
+        </p:spPr>
+      </p:pic>
+    </p:spTree>
+    <p:extLst>
+      <p:ext uri="{BB962C8B-B14F-4D97-AF65-F5344CB8AC3E}">
+        <p14:creationId xmlns:p14="http://schemas.microsoft.com/office/powerpoint/2010/main" val="3341594801"/>
+      </p:ext>
+    </p:extLst>
+  </p:cSld>
+  <p:clrMapOvr>
+    <a:masterClrMapping/>
+  </p:clrMapOvr>
+</p:sld>
+</file>
+
+<file path=ppt/slides/slide28.xml><?xml version="1.0" encoding="utf-8"?>
+<p:sld xmlns:a="http://schemas.openxmlformats.org/drawingml/2006/main" xmlns:r="http://schemas.openxmlformats.org/officeDocument/2006/relationships" xmlns:p="http://schemas.openxmlformats.org/presentationml/2006/main">
+  <p:cSld>
+    <p:spTree>
+      <p:nvGrpSpPr>
+        <p:cNvPr id="1" name=""/>
+        <p:cNvGrpSpPr/>
+        <p:nvPr/>
+      </p:nvGrpSpPr>
+      <p:grpSpPr>
+        <a:xfrm>
+          <a:off x="0" y="0"/>
+          <a:ext cx="0" cy="0"/>
+          <a:chOff x="0" y="0"/>
+          <a:chExt cx="0" cy="0"/>
+        </a:xfrm>
+      </p:grpSpPr>
+      <p:sp>
+        <p:nvSpPr>
+          <p:cNvPr id="2" name="TextBox 1">
+            <a:extLst>
+              <a:ext uri="{FF2B5EF4-FFF2-40B4-BE49-F238E27FC236}">
+                <a16:creationId xmlns:a16="http://schemas.microsoft.com/office/drawing/2014/main" id="{B7272488-AA4A-4AF9-97E6-2E857C9BA88D}"/>
+              </a:ext>
+            </a:extLst>
+          </p:cNvPr>
+          <p:cNvSpPr txBox="1"/>
+          <p:nvPr/>
+        </p:nvSpPr>
+        <p:spPr>
+          <a:xfrm>
+            <a:off x="318049" y="200108"/>
             <a:ext cx="7294332" cy="769441"/>
           </a:xfrm>
           <a:prstGeom prst="rect">
@@ -17742,7 +18379,7 @@
 </p:sld>
 </file>
 
-<file path=ppt/slides/slide27.xml><?xml version="1.0" encoding="utf-8"?>
+<file path=ppt/slides/slide29.xml><?xml version="1.0" encoding="utf-8"?>
 <p:sld xmlns:a="http://schemas.openxmlformats.org/drawingml/2006/main" xmlns:r="http://schemas.openxmlformats.org/officeDocument/2006/relationships" xmlns:p="http://schemas.openxmlformats.org/presentationml/2006/main">
   <p:cSld>
     <p:spTree>
@@ -19711,585 +20348,6 @@
     <p:extLst>
       <p:ext uri="{BB962C8B-B14F-4D97-AF65-F5344CB8AC3E}">
         <p14:creationId xmlns:p14="http://schemas.microsoft.com/office/powerpoint/2010/main" val="1089331978"/>
-      </p:ext>
-    </p:extLst>
-  </p:cSld>
-  <p:clrMapOvr>
-    <a:masterClrMapping/>
-  </p:clrMapOvr>
-</p:sld>
-</file>
-
-<file path=ppt/slides/slide28.xml><?xml version="1.0" encoding="utf-8"?>
-<p:sld xmlns:a="http://schemas.openxmlformats.org/drawingml/2006/main" xmlns:r="http://schemas.openxmlformats.org/officeDocument/2006/relationships" xmlns:p="http://schemas.openxmlformats.org/presentationml/2006/main">
-  <p:cSld>
-    <p:spTree>
-      <p:nvGrpSpPr>
-        <p:cNvPr id="1" name=""/>
-        <p:cNvGrpSpPr/>
-        <p:nvPr/>
-      </p:nvGrpSpPr>
-      <p:grpSpPr>
-        <a:xfrm>
-          <a:off x="0" y="0"/>
-          <a:ext cx="0" cy="0"/>
-          <a:chOff x="0" y="0"/>
-          <a:chExt cx="0" cy="0"/>
-        </a:xfrm>
-      </p:grpSpPr>
-      <p:sp>
-        <p:nvSpPr>
-          <p:cNvPr id="2" name="TextBox 1">
-            <a:extLst>
-              <a:ext uri="{FF2B5EF4-FFF2-40B4-BE49-F238E27FC236}">
-                <a16:creationId xmlns:a16="http://schemas.microsoft.com/office/drawing/2014/main" id="{B7272488-AA4A-4AF9-97E6-2E857C9BA88D}"/>
-              </a:ext>
-            </a:extLst>
-          </p:cNvPr>
-          <p:cNvSpPr txBox="1"/>
-          <p:nvPr/>
-        </p:nvSpPr>
-        <p:spPr>
-          <a:xfrm>
-            <a:off x="318049" y="200108"/>
-            <a:ext cx="8166732" cy="769441"/>
-          </a:xfrm>
-          <a:prstGeom prst="rect">
-            <a:avLst/>
-          </a:prstGeom>
-          <a:noFill/>
-        </p:spPr>
-        <p:txBody>
-          <a:bodyPr wrap="square" rtlCol="0">
-            <a:spAutoFit/>
-          </a:bodyPr>
-          <a:lstStyle/>
-          <a:p>
-            <a:r>
-              <a:rPr lang="en-US" sz="4400" u="sng" dirty="0"/>
-              <a:t>Communication Management(2)</a:t>
-            </a:r>
-          </a:p>
-        </p:txBody>
-      </p:sp>
-      <p:sp>
-        <p:nvSpPr>
-          <p:cNvPr id="4" name="TextBox 3">
-            <a:extLst>
-              <a:ext uri="{FF2B5EF4-FFF2-40B4-BE49-F238E27FC236}">
-                <a16:creationId xmlns:a16="http://schemas.microsoft.com/office/drawing/2014/main" id="{B78222EA-8390-48BB-BB6A-16AE10A3980A}"/>
-              </a:ext>
-            </a:extLst>
-          </p:cNvPr>
-          <p:cNvSpPr txBox="1"/>
-          <p:nvPr/>
-        </p:nvSpPr>
-        <p:spPr>
-          <a:xfrm>
-            <a:off x="457747" y="2142655"/>
-            <a:ext cx="6963470" cy="2185214"/>
-          </a:xfrm>
-          <a:prstGeom prst="rect">
-            <a:avLst/>
-          </a:prstGeom>
-          <a:noFill/>
-        </p:spPr>
-        <p:txBody>
-          <a:bodyPr wrap="square" rtlCol="0">
-            <a:spAutoFit/>
-          </a:bodyPr>
-          <a:lstStyle/>
-          <a:p>
-            <a:pPr marL="514350" indent="-514350">
-              <a:buFont typeface="Arial" panose="020B0604020202020204" pitchFamily="34" charset="0"/>
-              <a:buChar char="•"/>
-            </a:pPr>
-            <a:r>
-              <a:rPr lang="en-US" sz="3200" b="1" dirty="0"/>
-              <a:t>MANAGE</a:t>
-            </a:r>
-          </a:p>
-          <a:p>
-            <a:pPr marL="971550" lvl="1" indent="-514350">
-              <a:buFont typeface="Wingdings" panose="05000000000000000000" pitchFamily="2" charset="2"/>
-              <a:buChar char="Ø"/>
-            </a:pPr>
-            <a:r>
-              <a:rPr lang="en-US" sz="3200" dirty="0"/>
-              <a:t>Performance Reporting</a:t>
-            </a:r>
-          </a:p>
-          <a:p>
-            <a:pPr marL="1371600" lvl="2" indent="-457200">
-              <a:buFont typeface="Wingdings" panose="05000000000000000000" pitchFamily="2" charset="2"/>
-              <a:buChar char="ü"/>
-            </a:pPr>
-            <a:r>
-              <a:rPr lang="en-US" sz="2400" i="1" dirty="0"/>
-              <a:t>1 representative from each section</a:t>
-            </a:r>
-          </a:p>
-          <a:p>
-            <a:pPr marL="1371600" lvl="2" indent="-457200">
-              <a:buFont typeface="Wingdings" panose="05000000000000000000" pitchFamily="2" charset="2"/>
-              <a:buChar char="ü"/>
-            </a:pPr>
-            <a:r>
-              <a:rPr lang="en-US" sz="2400" i="1" dirty="0"/>
-              <a:t>Daily/Weekly/Monthly intervals</a:t>
-            </a:r>
-          </a:p>
-          <a:p>
-            <a:pPr marL="1371600" lvl="2" indent="-457200">
-              <a:buFont typeface="Wingdings" panose="05000000000000000000" pitchFamily="2" charset="2"/>
-              <a:buChar char="ü"/>
-            </a:pPr>
-            <a:r>
-              <a:rPr lang="en-US" sz="2400" i="1" dirty="0"/>
-              <a:t>Status Report + Progress Report + Forecast</a:t>
-            </a:r>
-            <a:endParaRPr lang="en-US" sz="4000" dirty="0"/>
-          </a:p>
-        </p:txBody>
-      </p:sp>
-      <p:sp>
-        <p:nvSpPr>
-          <p:cNvPr id="9" name="TextBox 8">
-            <a:extLst>
-              <a:ext uri="{FF2B5EF4-FFF2-40B4-BE49-F238E27FC236}">
-                <a16:creationId xmlns:a16="http://schemas.microsoft.com/office/drawing/2014/main" id="{70A56B06-5498-4C53-8B9E-A40688F87B46}"/>
-              </a:ext>
-            </a:extLst>
-          </p:cNvPr>
-          <p:cNvSpPr txBox="1"/>
-          <p:nvPr/>
-        </p:nvSpPr>
-        <p:spPr>
-          <a:xfrm>
-            <a:off x="1968641" y="1263714"/>
-            <a:ext cx="8254718" cy="584775"/>
-          </a:xfrm>
-          <a:prstGeom prst="rect">
-            <a:avLst/>
-          </a:prstGeom>
-          <a:solidFill>
-            <a:schemeClr val="accent3">
-              <a:alpha val="50000"/>
-            </a:schemeClr>
-          </a:solidFill>
-          <a:ln w="38100">
-            <a:solidFill>
-              <a:schemeClr val="tx1"/>
-            </a:solidFill>
-          </a:ln>
-        </p:spPr>
-        <p:style>
-          <a:lnRef idx="2">
-            <a:schemeClr val="accent1">
-              <a:shade val="50000"/>
-            </a:schemeClr>
-          </a:lnRef>
-          <a:fillRef idx="1">
-            <a:schemeClr val="accent1"/>
-          </a:fillRef>
-          <a:effectRef idx="0">
-            <a:schemeClr val="accent1"/>
-          </a:effectRef>
-          <a:fontRef idx="minor">
-            <a:schemeClr val="lt1"/>
-          </a:fontRef>
-        </p:style>
-        <p:txBody>
-          <a:bodyPr wrap="square" rtlCol="0">
-            <a:spAutoFit/>
-          </a:bodyPr>
-          <a:lstStyle/>
-          <a:p>
-            <a:pPr algn="ctr"/>
-            <a:r>
-              <a:rPr lang="en-US" sz="3200" b="1" dirty="0">
-                <a:solidFill>
-                  <a:sysClr val="windowText" lastClr="000000"/>
-                </a:solidFill>
-              </a:rPr>
-              <a:t>Issue 7</a:t>
-            </a:r>
-            <a:r>
-              <a:rPr lang="en-US" sz="3200" dirty="0">
-                <a:solidFill>
-                  <a:sysClr val="windowText" lastClr="000000"/>
-                </a:solidFill>
-              </a:rPr>
-              <a:t>: </a:t>
-            </a:r>
-            <a:r>
-              <a:rPr lang="en-US" sz="2800" i="1" dirty="0">
-                <a:solidFill>
-                  <a:sysClr val="windowText" lastClr="000000"/>
-                </a:solidFill>
-              </a:rPr>
-              <a:t>Wrong priority levels among team members</a:t>
-            </a:r>
-            <a:endParaRPr lang="en-US" sz="3200" i="1" dirty="0">
-              <a:solidFill>
-                <a:sysClr val="windowText" lastClr="000000"/>
-              </a:solidFill>
-            </a:endParaRPr>
-          </a:p>
-        </p:txBody>
-      </p:sp>
-      <p:pic>
-        <p:nvPicPr>
-          <p:cNvPr id="12" name="Picture 11">
-            <a:extLst>
-              <a:ext uri="{FF2B5EF4-FFF2-40B4-BE49-F238E27FC236}">
-                <a16:creationId xmlns:a16="http://schemas.microsoft.com/office/drawing/2014/main" id="{41FA58F8-6943-48F4-8BC5-6EB35082264F}"/>
-              </a:ext>
-            </a:extLst>
-          </p:cNvPr>
-          <p:cNvPicPr/>
-          <p:nvPr/>
-        </p:nvPicPr>
-        <p:blipFill>
-          <a:blip r:embed="rId2"/>
-          <a:stretch>
-            <a:fillRect/>
-          </a:stretch>
-        </p:blipFill>
-        <p:spPr>
-          <a:xfrm>
-            <a:off x="79006" y="4622035"/>
-            <a:ext cx="4322409" cy="1769721"/>
-          </a:xfrm>
-          <a:prstGeom prst="rect">
-            <a:avLst/>
-          </a:prstGeom>
-        </p:spPr>
-      </p:pic>
-      <p:pic>
-        <p:nvPicPr>
-          <p:cNvPr id="13" name="Picture 12">
-            <a:extLst>
-              <a:ext uri="{FF2B5EF4-FFF2-40B4-BE49-F238E27FC236}">
-                <a16:creationId xmlns:a16="http://schemas.microsoft.com/office/drawing/2014/main" id="{2ECB3185-4001-424C-B88E-2BA497C38828}"/>
-              </a:ext>
-            </a:extLst>
-          </p:cNvPr>
-          <p:cNvPicPr/>
-          <p:nvPr/>
-        </p:nvPicPr>
-        <p:blipFill>
-          <a:blip r:embed="rId3"/>
-          <a:stretch>
-            <a:fillRect/>
-          </a:stretch>
-        </p:blipFill>
-        <p:spPr>
-          <a:xfrm>
-            <a:off x="4317720" y="5129792"/>
-            <a:ext cx="4134679" cy="1528100"/>
-          </a:xfrm>
-          <a:prstGeom prst="rect">
-            <a:avLst/>
-          </a:prstGeom>
-        </p:spPr>
-      </p:pic>
-      <p:pic>
-        <p:nvPicPr>
-          <p:cNvPr id="10" name="Picture 9">
-            <a:extLst>
-              <a:ext uri="{FF2B5EF4-FFF2-40B4-BE49-F238E27FC236}">
-                <a16:creationId xmlns:a16="http://schemas.microsoft.com/office/drawing/2014/main" id="{2F426353-B06C-4E2D-A013-2BD3F3855D58}"/>
-              </a:ext>
-            </a:extLst>
-          </p:cNvPr>
-          <p:cNvPicPr/>
-          <p:nvPr/>
-        </p:nvPicPr>
-        <p:blipFill rotWithShape="1">
-          <a:blip r:embed="rId4"/>
-          <a:srcRect l="970" t="620" r="-1" b="508"/>
-          <a:stretch/>
-        </p:blipFill>
-        <p:spPr bwMode="auto">
-          <a:xfrm>
-            <a:off x="8110333" y="2142654"/>
-            <a:ext cx="3763618" cy="4010778"/>
-          </a:xfrm>
-          <a:prstGeom prst="rect">
-            <a:avLst/>
-          </a:prstGeom>
-          <a:ln>
-            <a:noFill/>
-          </a:ln>
-          <a:extLst>
-            <a:ext uri="{53640926-AAD7-44D8-BBD7-CCE9431645EC}">
-              <a14:shadowObscured xmlns:a14="http://schemas.microsoft.com/office/drawing/2010/main"/>
-            </a:ext>
-          </a:extLst>
-        </p:spPr>
-      </p:pic>
-    </p:spTree>
-    <p:extLst>
-      <p:ext uri="{BB962C8B-B14F-4D97-AF65-F5344CB8AC3E}">
-        <p14:creationId xmlns:p14="http://schemas.microsoft.com/office/powerpoint/2010/main" val="957270975"/>
-      </p:ext>
-    </p:extLst>
-  </p:cSld>
-  <p:clrMapOvr>
-    <a:masterClrMapping/>
-  </p:clrMapOvr>
-</p:sld>
-</file>
-
-<file path=ppt/slides/slide29.xml><?xml version="1.0" encoding="utf-8"?>
-<p:sld xmlns:a="http://schemas.openxmlformats.org/drawingml/2006/main" xmlns:r="http://schemas.openxmlformats.org/officeDocument/2006/relationships" xmlns:p="http://schemas.openxmlformats.org/presentationml/2006/main">
-  <p:cSld>
-    <p:spTree>
-      <p:nvGrpSpPr>
-        <p:cNvPr id="1" name=""/>
-        <p:cNvGrpSpPr/>
-        <p:nvPr/>
-      </p:nvGrpSpPr>
-      <p:grpSpPr>
-        <a:xfrm>
-          <a:off x="0" y="0"/>
-          <a:ext cx="0" cy="0"/>
-          <a:chOff x="0" y="0"/>
-          <a:chExt cx="0" cy="0"/>
-        </a:xfrm>
-      </p:grpSpPr>
-      <p:sp>
-        <p:nvSpPr>
-          <p:cNvPr id="2" name="TextBox 1">
-            <a:extLst>
-              <a:ext uri="{FF2B5EF4-FFF2-40B4-BE49-F238E27FC236}">
-                <a16:creationId xmlns:a16="http://schemas.microsoft.com/office/drawing/2014/main" id="{B7272488-AA4A-4AF9-97E6-2E857C9BA88D}"/>
-              </a:ext>
-            </a:extLst>
-          </p:cNvPr>
-          <p:cNvSpPr txBox="1"/>
-          <p:nvPr/>
-        </p:nvSpPr>
-        <p:spPr>
-          <a:xfrm>
-            <a:off x="318049" y="200108"/>
-            <a:ext cx="8166732" cy="769441"/>
-          </a:xfrm>
-          <a:prstGeom prst="rect">
-            <a:avLst/>
-          </a:prstGeom>
-          <a:noFill/>
-        </p:spPr>
-        <p:txBody>
-          <a:bodyPr wrap="square" rtlCol="0">
-            <a:spAutoFit/>
-          </a:bodyPr>
-          <a:lstStyle/>
-          <a:p>
-            <a:r>
-              <a:rPr lang="en-US" sz="4400" u="sng" dirty="0"/>
-              <a:t>Communication Management(3)</a:t>
-            </a:r>
-          </a:p>
-        </p:txBody>
-      </p:sp>
-      <p:sp>
-        <p:nvSpPr>
-          <p:cNvPr id="8" name="TextBox 7">
-            <a:extLst>
-              <a:ext uri="{FF2B5EF4-FFF2-40B4-BE49-F238E27FC236}">
-                <a16:creationId xmlns:a16="http://schemas.microsoft.com/office/drawing/2014/main" id="{1C589B82-DAA5-440E-9BC9-97D4BD6BF1CE}"/>
-              </a:ext>
-            </a:extLst>
-          </p:cNvPr>
-          <p:cNvSpPr txBox="1"/>
-          <p:nvPr/>
-        </p:nvSpPr>
-        <p:spPr>
-          <a:xfrm>
-            <a:off x="2362046" y="1072615"/>
-            <a:ext cx="7467908" cy="584775"/>
-          </a:xfrm>
-          <a:prstGeom prst="rect">
-            <a:avLst/>
-          </a:prstGeom>
-          <a:solidFill>
-            <a:srgbClr val="00B050">
-              <a:alpha val="50000"/>
-            </a:srgbClr>
-          </a:solidFill>
-          <a:ln w="38100">
-            <a:solidFill>
-              <a:schemeClr val="tx1"/>
-            </a:solidFill>
-          </a:ln>
-        </p:spPr>
-        <p:style>
-          <a:lnRef idx="2">
-            <a:schemeClr val="accent1">
-              <a:shade val="50000"/>
-            </a:schemeClr>
-          </a:lnRef>
-          <a:fillRef idx="1">
-            <a:schemeClr val="accent1"/>
-          </a:fillRef>
-          <a:effectRef idx="0">
-            <a:schemeClr val="accent1"/>
-          </a:effectRef>
-          <a:fontRef idx="minor">
-            <a:schemeClr val="lt1"/>
-          </a:fontRef>
-        </p:style>
-        <p:txBody>
-          <a:bodyPr wrap="square" rtlCol="0">
-            <a:spAutoFit/>
-          </a:bodyPr>
-          <a:lstStyle/>
-          <a:p>
-            <a:pPr algn="ctr"/>
-            <a:r>
-              <a:rPr lang="en-US" sz="3200" b="1" dirty="0">
-                <a:solidFill>
-                  <a:sysClr val="windowText" lastClr="000000"/>
-                </a:solidFill>
-              </a:rPr>
-              <a:t>Issue 6</a:t>
-            </a:r>
-            <a:r>
-              <a:rPr lang="en-US" sz="3200" dirty="0">
-                <a:solidFill>
-                  <a:sysClr val="windowText" lastClr="000000"/>
-                </a:solidFill>
-              </a:rPr>
-              <a:t>: </a:t>
-            </a:r>
-            <a:r>
-              <a:rPr lang="en-US" sz="2800" i="1" dirty="0">
-                <a:solidFill>
-                  <a:sysClr val="windowText" lastClr="000000"/>
-                </a:solidFill>
-              </a:rPr>
-              <a:t>WBS are all separated &amp; not complete</a:t>
-            </a:r>
-            <a:endParaRPr lang="en-US" sz="3200" i="1" dirty="0">
-              <a:solidFill>
-                <a:sysClr val="windowText" lastClr="000000"/>
-              </a:solidFill>
-            </a:endParaRPr>
-          </a:p>
-        </p:txBody>
-      </p:sp>
-      <p:sp>
-        <p:nvSpPr>
-          <p:cNvPr id="11" name="TextBox 10">
-            <a:extLst>
-              <a:ext uri="{FF2B5EF4-FFF2-40B4-BE49-F238E27FC236}">
-                <a16:creationId xmlns:a16="http://schemas.microsoft.com/office/drawing/2014/main" id="{01BBED4B-E866-41F5-B46C-DFA63845AD2B}"/>
-              </a:ext>
-            </a:extLst>
-          </p:cNvPr>
-          <p:cNvSpPr txBox="1"/>
-          <p:nvPr/>
-        </p:nvSpPr>
-        <p:spPr>
-          <a:xfrm>
-            <a:off x="318049" y="1754157"/>
-            <a:ext cx="9142694" cy="1815882"/>
-          </a:xfrm>
-          <a:prstGeom prst="rect">
-            <a:avLst/>
-          </a:prstGeom>
-          <a:noFill/>
-        </p:spPr>
-        <p:txBody>
-          <a:bodyPr wrap="square" rtlCol="0">
-            <a:spAutoFit/>
-          </a:bodyPr>
-          <a:lstStyle/>
-          <a:p>
-            <a:pPr marL="514350" indent="-514350">
-              <a:buFont typeface="Arial" panose="020B0604020202020204" pitchFamily="34" charset="0"/>
-              <a:buChar char="•"/>
-            </a:pPr>
-            <a:r>
-              <a:rPr lang="en-US" sz="3200" b="1" dirty="0"/>
-              <a:t>CONTROL</a:t>
-            </a:r>
-          </a:p>
-          <a:p>
-            <a:pPr marL="971550" lvl="1" indent="-514350">
-              <a:buFont typeface="Wingdings" panose="05000000000000000000" pitchFamily="2" charset="2"/>
-              <a:buChar char="Ø"/>
-            </a:pPr>
-            <a:r>
-              <a:rPr lang="en-US" sz="3200" dirty="0"/>
-              <a:t>Issue Logs + Meeting</a:t>
-            </a:r>
-          </a:p>
-          <a:p>
-            <a:pPr marL="1371600" lvl="2" indent="-457200">
-              <a:buFont typeface="Wingdings" panose="05000000000000000000" pitchFamily="2" charset="2"/>
-              <a:buChar char="ü"/>
-            </a:pPr>
-            <a:r>
-              <a:rPr lang="en-US" sz="2400" b="1" i="1" dirty="0"/>
-              <a:t>Issue Log</a:t>
-            </a:r>
-            <a:r>
-              <a:rPr lang="en-US" sz="2400" i="1" dirty="0"/>
-              <a:t>: provide meeting guidelines</a:t>
-            </a:r>
-          </a:p>
-          <a:p>
-            <a:pPr marL="1371600" lvl="2" indent="-457200">
-              <a:buFont typeface="Wingdings" panose="05000000000000000000" pitchFamily="2" charset="2"/>
-              <a:buChar char="ü"/>
-            </a:pPr>
-            <a:r>
-              <a:rPr lang="en-US" sz="2400" b="1" i="1" dirty="0"/>
-              <a:t>Meeting</a:t>
-            </a:r>
-            <a:r>
-              <a:rPr lang="en-US" sz="2400" i="1" dirty="0"/>
-              <a:t>: deliver tasks &amp; report issue log progress</a:t>
-            </a:r>
-            <a:endParaRPr lang="en-US" sz="4000" dirty="0"/>
-          </a:p>
-        </p:txBody>
-      </p:sp>
-      <p:pic>
-        <p:nvPicPr>
-          <p:cNvPr id="12" name="Picture 11">
-            <a:extLst>
-              <a:ext uri="{FF2B5EF4-FFF2-40B4-BE49-F238E27FC236}">
-                <a16:creationId xmlns:a16="http://schemas.microsoft.com/office/drawing/2014/main" id="{D60F7E7C-ABAF-45BA-BE62-FBDDDB2CE4ED}"/>
-              </a:ext>
-            </a:extLst>
-          </p:cNvPr>
-          <p:cNvPicPr/>
-          <p:nvPr/>
-        </p:nvPicPr>
-        <p:blipFill>
-          <a:blip r:embed="rId2"/>
-          <a:stretch>
-            <a:fillRect/>
-          </a:stretch>
-        </p:blipFill>
-        <p:spPr>
-          <a:xfrm>
-            <a:off x="1898521" y="3666807"/>
-            <a:ext cx="8813858" cy="2836830"/>
-          </a:xfrm>
-          <a:prstGeom prst="rect">
-            <a:avLst/>
-          </a:prstGeom>
-        </p:spPr>
-      </p:pic>
-    </p:spTree>
-    <p:extLst>
-      <p:ext uri="{BB962C8B-B14F-4D97-AF65-F5344CB8AC3E}">
-        <p14:creationId xmlns:p14="http://schemas.microsoft.com/office/powerpoint/2010/main" val="1654407905"/>
       </p:ext>
     </p:extLst>
   </p:cSld>
@@ -20609,6 +20667,585 @@
         <p:spPr>
           <a:xfrm>
             <a:off x="318049" y="200108"/>
+            <a:ext cx="8166732" cy="769441"/>
+          </a:xfrm>
+          <a:prstGeom prst="rect">
+            <a:avLst/>
+          </a:prstGeom>
+          <a:noFill/>
+        </p:spPr>
+        <p:txBody>
+          <a:bodyPr wrap="square" rtlCol="0">
+            <a:spAutoFit/>
+          </a:bodyPr>
+          <a:lstStyle/>
+          <a:p>
+            <a:r>
+              <a:rPr lang="en-US" sz="4400" u="sng" dirty="0"/>
+              <a:t>Communication Management(2)</a:t>
+            </a:r>
+          </a:p>
+        </p:txBody>
+      </p:sp>
+      <p:sp>
+        <p:nvSpPr>
+          <p:cNvPr id="4" name="TextBox 3">
+            <a:extLst>
+              <a:ext uri="{FF2B5EF4-FFF2-40B4-BE49-F238E27FC236}">
+                <a16:creationId xmlns:a16="http://schemas.microsoft.com/office/drawing/2014/main" id="{B78222EA-8390-48BB-BB6A-16AE10A3980A}"/>
+              </a:ext>
+            </a:extLst>
+          </p:cNvPr>
+          <p:cNvSpPr txBox="1"/>
+          <p:nvPr/>
+        </p:nvSpPr>
+        <p:spPr>
+          <a:xfrm>
+            <a:off x="457747" y="2142655"/>
+            <a:ext cx="6963470" cy="2185214"/>
+          </a:xfrm>
+          <a:prstGeom prst="rect">
+            <a:avLst/>
+          </a:prstGeom>
+          <a:noFill/>
+        </p:spPr>
+        <p:txBody>
+          <a:bodyPr wrap="square" rtlCol="0">
+            <a:spAutoFit/>
+          </a:bodyPr>
+          <a:lstStyle/>
+          <a:p>
+            <a:pPr marL="514350" indent="-514350">
+              <a:buFont typeface="Arial" panose="020B0604020202020204" pitchFamily="34" charset="0"/>
+              <a:buChar char="•"/>
+            </a:pPr>
+            <a:r>
+              <a:rPr lang="en-US" sz="3200" b="1" dirty="0"/>
+              <a:t>MANAGE</a:t>
+            </a:r>
+          </a:p>
+          <a:p>
+            <a:pPr marL="971550" lvl="1" indent="-514350">
+              <a:buFont typeface="Wingdings" panose="05000000000000000000" pitchFamily="2" charset="2"/>
+              <a:buChar char="Ø"/>
+            </a:pPr>
+            <a:r>
+              <a:rPr lang="en-US" sz="3200" dirty="0"/>
+              <a:t>Performance Reporting</a:t>
+            </a:r>
+          </a:p>
+          <a:p>
+            <a:pPr marL="1371600" lvl="2" indent="-457200">
+              <a:buFont typeface="Wingdings" panose="05000000000000000000" pitchFamily="2" charset="2"/>
+              <a:buChar char="ü"/>
+            </a:pPr>
+            <a:r>
+              <a:rPr lang="en-US" sz="2400" i="1" dirty="0"/>
+              <a:t>1 representative from each section</a:t>
+            </a:r>
+          </a:p>
+          <a:p>
+            <a:pPr marL="1371600" lvl="2" indent="-457200">
+              <a:buFont typeface="Wingdings" panose="05000000000000000000" pitchFamily="2" charset="2"/>
+              <a:buChar char="ü"/>
+            </a:pPr>
+            <a:r>
+              <a:rPr lang="en-US" sz="2400" i="1" dirty="0"/>
+              <a:t>Daily/Weekly/Monthly intervals</a:t>
+            </a:r>
+          </a:p>
+          <a:p>
+            <a:pPr marL="1371600" lvl="2" indent="-457200">
+              <a:buFont typeface="Wingdings" panose="05000000000000000000" pitchFamily="2" charset="2"/>
+              <a:buChar char="ü"/>
+            </a:pPr>
+            <a:r>
+              <a:rPr lang="en-US" sz="2400" i="1" dirty="0"/>
+              <a:t>Status Report + Progress Report + Forecast</a:t>
+            </a:r>
+            <a:endParaRPr lang="en-US" sz="4000" dirty="0"/>
+          </a:p>
+        </p:txBody>
+      </p:sp>
+      <p:sp>
+        <p:nvSpPr>
+          <p:cNvPr id="9" name="TextBox 8">
+            <a:extLst>
+              <a:ext uri="{FF2B5EF4-FFF2-40B4-BE49-F238E27FC236}">
+                <a16:creationId xmlns:a16="http://schemas.microsoft.com/office/drawing/2014/main" id="{70A56B06-5498-4C53-8B9E-A40688F87B46}"/>
+              </a:ext>
+            </a:extLst>
+          </p:cNvPr>
+          <p:cNvSpPr txBox="1"/>
+          <p:nvPr/>
+        </p:nvSpPr>
+        <p:spPr>
+          <a:xfrm>
+            <a:off x="1968641" y="1263714"/>
+            <a:ext cx="8254718" cy="584775"/>
+          </a:xfrm>
+          <a:prstGeom prst="rect">
+            <a:avLst/>
+          </a:prstGeom>
+          <a:solidFill>
+            <a:schemeClr val="accent3">
+              <a:alpha val="50000"/>
+            </a:schemeClr>
+          </a:solidFill>
+          <a:ln w="38100">
+            <a:solidFill>
+              <a:schemeClr val="tx1"/>
+            </a:solidFill>
+          </a:ln>
+        </p:spPr>
+        <p:style>
+          <a:lnRef idx="2">
+            <a:schemeClr val="accent1">
+              <a:shade val="50000"/>
+            </a:schemeClr>
+          </a:lnRef>
+          <a:fillRef idx="1">
+            <a:schemeClr val="accent1"/>
+          </a:fillRef>
+          <a:effectRef idx="0">
+            <a:schemeClr val="accent1"/>
+          </a:effectRef>
+          <a:fontRef idx="minor">
+            <a:schemeClr val="lt1"/>
+          </a:fontRef>
+        </p:style>
+        <p:txBody>
+          <a:bodyPr wrap="square" rtlCol="0">
+            <a:spAutoFit/>
+          </a:bodyPr>
+          <a:lstStyle/>
+          <a:p>
+            <a:pPr algn="ctr"/>
+            <a:r>
+              <a:rPr lang="en-US" sz="3200" b="1" dirty="0">
+                <a:solidFill>
+                  <a:sysClr val="windowText" lastClr="000000"/>
+                </a:solidFill>
+              </a:rPr>
+              <a:t>Issue 7</a:t>
+            </a:r>
+            <a:r>
+              <a:rPr lang="en-US" sz="3200" dirty="0">
+                <a:solidFill>
+                  <a:sysClr val="windowText" lastClr="000000"/>
+                </a:solidFill>
+              </a:rPr>
+              <a:t>: </a:t>
+            </a:r>
+            <a:r>
+              <a:rPr lang="en-US" sz="2800" i="1" dirty="0">
+                <a:solidFill>
+                  <a:sysClr val="windowText" lastClr="000000"/>
+                </a:solidFill>
+              </a:rPr>
+              <a:t>Wrong priority levels among team members</a:t>
+            </a:r>
+            <a:endParaRPr lang="en-US" sz="3200" i="1" dirty="0">
+              <a:solidFill>
+                <a:sysClr val="windowText" lastClr="000000"/>
+              </a:solidFill>
+            </a:endParaRPr>
+          </a:p>
+        </p:txBody>
+      </p:sp>
+      <p:pic>
+        <p:nvPicPr>
+          <p:cNvPr id="12" name="Picture 11">
+            <a:extLst>
+              <a:ext uri="{FF2B5EF4-FFF2-40B4-BE49-F238E27FC236}">
+                <a16:creationId xmlns:a16="http://schemas.microsoft.com/office/drawing/2014/main" id="{41FA58F8-6943-48F4-8BC5-6EB35082264F}"/>
+              </a:ext>
+            </a:extLst>
+          </p:cNvPr>
+          <p:cNvPicPr/>
+          <p:nvPr/>
+        </p:nvPicPr>
+        <p:blipFill>
+          <a:blip r:embed="rId2"/>
+          <a:stretch>
+            <a:fillRect/>
+          </a:stretch>
+        </p:blipFill>
+        <p:spPr>
+          <a:xfrm>
+            <a:off x="79006" y="4622035"/>
+            <a:ext cx="4322409" cy="1769721"/>
+          </a:xfrm>
+          <a:prstGeom prst="rect">
+            <a:avLst/>
+          </a:prstGeom>
+        </p:spPr>
+      </p:pic>
+      <p:pic>
+        <p:nvPicPr>
+          <p:cNvPr id="13" name="Picture 12">
+            <a:extLst>
+              <a:ext uri="{FF2B5EF4-FFF2-40B4-BE49-F238E27FC236}">
+                <a16:creationId xmlns:a16="http://schemas.microsoft.com/office/drawing/2014/main" id="{2ECB3185-4001-424C-B88E-2BA497C38828}"/>
+              </a:ext>
+            </a:extLst>
+          </p:cNvPr>
+          <p:cNvPicPr/>
+          <p:nvPr/>
+        </p:nvPicPr>
+        <p:blipFill>
+          <a:blip r:embed="rId3"/>
+          <a:stretch>
+            <a:fillRect/>
+          </a:stretch>
+        </p:blipFill>
+        <p:spPr>
+          <a:xfrm>
+            <a:off x="4317720" y="5129792"/>
+            <a:ext cx="4134679" cy="1528100"/>
+          </a:xfrm>
+          <a:prstGeom prst="rect">
+            <a:avLst/>
+          </a:prstGeom>
+        </p:spPr>
+      </p:pic>
+      <p:pic>
+        <p:nvPicPr>
+          <p:cNvPr id="10" name="Picture 9">
+            <a:extLst>
+              <a:ext uri="{FF2B5EF4-FFF2-40B4-BE49-F238E27FC236}">
+                <a16:creationId xmlns:a16="http://schemas.microsoft.com/office/drawing/2014/main" id="{2F426353-B06C-4E2D-A013-2BD3F3855D58}"/>
+              </a:ext>
+            </a:extLst>
+          </p:cNvPr>
+          <p:cNvPicPr/>
+          <p:nvPr/>
+        </p:nvPicPr>
+        <p:blipFill rotWithShape="1">
+          <a:blip r:embed="rId4"/>
+          <a:srcRect l="970" t="620" r="-1" b="508"/>
+          <a:stretch/>
+        </p:blipFill>
+        <p:spPr bwMode="auto">
+          <a:xfrm>
+            <a:off x="8110333" y="2142654"/>
+            <a:ext cx="3763618" cy="4010778"/>
+          </a:xfrm>
+          <a:prstGeom prst="rect">
+            <a:avLst/>
+          </a:prstGeom>
+          <a:ln>
+            <a:noFill/>
+          </a:ln>
+          <a:extLst>
+            <a:ext uri="{53640926-AAD7-44D8-BBD7-CCE9431645EC}">
+              <a14:shadowObscured xmlns:a14="http://schemas.microsoft.com/office/drawing/2010/main"/>
+            </a:ext>
+          </a:extLst>
+        </p:spPr>
+      </p:pic>
+    </p:spTree>
+    <p:extLst>
+      <p:ext uri="{BB962C8B-B14F-4D97-AF65-F5344CB8AC3E}">
+        <p14:creationId xmlns:p14="http://schemas.microsoft.com/office/powerpoint/2010/main" val="957270975"/>
+      </p:ext>
+    </p:extLst>
+  </p:cSld>
+  <p:clrMapOvr>
+    <a:masterClrMapping/>
+  </p:clrMapOvr>
+</p:sld>
+</file>
+
+<file path=ppt/slides/slide31.xml><?xml version="1.0" encoding="utf-8"?>
+<p:sld xmlns:a="http://schemas.openxmlformats.org/drawingml/2006/main" xmlns:r="http://schemas.openxmlformats.org/officeDocument/2006/relationships" xmlns:p="http://schemas.openxmlformats.org/presentationml/2006/main">
+  <p:cSld>
+    <p:spTree>
+      <p:nvGrpSpPr>
+        <p:cNvPr id="1" name=""/>
+        <p:cNvGrpSpPr/>
+        <p:nvPr/>
+      </p:nvGrpSpPr>
+      <p:grpSpPr>
+        <a:xfrm>
+          <a:off x="0" y="0"/>
+          <a:ext cx="0" cy="0"/>
+          <a:chOff x="0" y="0"/>
+          <a:chExt cx="0" cy="0"/>
+        </a:xfrm>
+      </p:grpSpPr>
+      <p:sp>
+        <p:nvSpPr>
+          <p:cNvPr id="2" name="TextBox 1">
+            <a:extLst>
+              <a:ext uri="{FF2B5EF4-FFF2-40B4-BE49-F238E27FC236}">
+                <a16:creationId xmlns:a16="http://schemas.microsoft.com/office/drawing/2014/main" id="{B7272488-AA4A-4AF9-97E6-2E857C9BA88D}"/>
+              </a:ext>
+            </a:extLst>
+          </p:cNvPr>
+          <p:cNvSpPr txBox="1"/>
+          <p:nvPr/>
+        </p:nvSpPr>
+        <p:spPr>
+          <a:xfrm>
+            <a:off x="318049" y="200108"/>
+            <a:ext cx="8166732" cy="769441"/>
+          </a:xfrm>
+          <a:prstGeom prst="rect">
+            <a:avLst/>
+          </a:prstGeom>
+          <a:noFill/>
+        </p:spPr>
+        <p:txBody>
+          <a:bodyPr wrap="square" rtlCol="0">
+            <a:spAutoFit/>
+          </a:bodyPr>
+          <a:lstStyle/>
+          <a:p>
+            <a:r>
+              <a:rPr lang="en-US" sz="4400" u="sng" dirty="0"/>
+              <a:t>Communication Management(3)</a:t>
+            </a:r>
+          </a:p>
+        </p:txBody>
+      </p:sp>
+      <p:sp>
+        <p:nvSpPr>
+          <p:cNvPr id="8" name="TextBox 7">
+            <a:extLst>
+              <a:ext uri="{FF2B5EF4-FFF2-40B4-BE49-F238E27FC236}">
+                <a16:creationId xmlns:a16="http://schemas.microsoft.com/office/drawing/2014/main" id="{1C589B82-DAA5-440E-9BC9-97D4BD6BF1CE}"/>
+              </a:ext>
+            </a:extLst>
+          </p:cNvPr>
+          <p:cNvSpPr txBox="1"/>
+          <p:nvPr/>
+        </p:nvSpPr>
+        <p:spPr>
+          <a:xfrm>
+            <a:off x="2362046" y="1072615"/>
+            <a:ext cx="7467908" cy="584775"/>
+          </a:xfrm>
+          <a:prstGeom prst="rect">
+            <a:avLst/>
+          </a:prstGeom>
+          <a:solidFill>
+            <a:srgbClr val="00B050">
+              <a:alpha val="50000"/>
+            </a:srgbClr>
+          </a:solidFill>
+          <a:ln w="38100">
+            <a:solidFill>
+              <a:schemeClr val="tx1"/>
+            </a:solidFill>
+          </a:ln>
+        </p:spPr>
+        <p:style>
+          <a:lnRef idx="2">
+            <a:schemeClr val="accent1">
+              <a:shade val="50000"/>
+            </a:schemeClr>
+          </a:lnRef>
+          <a:fillRef idx="1">
+            <a:schemeClr val="accent1"/>
+          </a:fillRef>
+          <a:effectRef idx="0">
+            <a:schemeClr val="accent1"/>
+          </a:effectRef>
+          <a:fontRef idx="minor">
+            <a:schemeClr val="lt1"/>
+          </a:fontRef>
+        </p:style>
+        <p:txBody>
+          <a:bodyPr wrap="square" rtlCol="0">
+            <a:spAutoFit/>
+          </a:bodyPr>
+          <a:lstStyle/>
+          <a:p>
+            <a:pPr algn="ctr"/>
+            <a:r>
+              <a:rPr lang="en-US" sz="3200" b="1" dirty="0">
+                <a:solidFill>
+                  <a:sysClr val="windowText" lastClr="000000"/>
+                </a:solidFill>
+              </a:rPr>
+              <a:t>Issue 6</a:t>
+            </a:r>
+            <a:r>
+              <a:rPr lang="en-US" sz="3200" dirty="0">
+                <a:solidFill>
+                  <a:sysClr val="windowText" lastClr="000000"/>
+                </a:solidFill>
+              </a:rPr>
+              <a:t>: </a:t>
+            </a:r>
+            <a:r>
+              <a:rPr lang="en-US" sz="2800" i="1" dirty="0">
+                <a:solidFill>
+                  <a:sysClr val="windowText" lastClr="000000"/>
+                </a:solidFill>
+              </a:rPr>
+              <a:t>WBS are all separated &amp; not complete</a:t>
+            </a:r>
+            <a:endParaRPr lang="en-US" sz="3200" i="1" dirty="0">
+              <a:solidFill>
+                <a:sysClr val="windowText" lastClr="000000"/>
+              </a:solidFill>
+            </a:endParaRPr>
+          </a:p>
+        </p:txBody>
+      </p:sp>
+      <p:sp>
+        <p:nvSpPr>
+          <p:cNvPr id="11" name="TextBox 10">
+            <a:extLst>
+              <a:ext uri="{FF2B5EF4-FFF2-40B4-BE49-F238E27FC236}">
+                <a16:creationId xmlns:a16="http://schemas.microsoft.com/office/drawing/2014/main" id="{01BBED4B-E866-41F5-B46C-DFA63845AD2B}"/>
+              </a:ext>
+            </a:extLst>
+          </p:cNvPr>
+          <p:cNvSpPr txBox="1"/>
+          <p:nvPr/>
+        </p:nvSpPr>
+        <p:spPr>
+          <a:xfrm>
+            <a:off x="318049" y="1754157"/>
+            <a:ext cx="9142694" cy="1815882"/>
+          </a:xfrm>
+          <a:prstGeom prst="rect">
+            <a:avLst/>
+          </a:prstGeom>
+          <a:noFill/>
+        </p:spPr>
+        <p:txBody>
+          <a:bodyPr wrap="square" rtlCol="0">
+            <a:spAutoFit/>
+          </a:bodyPr>
+          <a:lstStyle/>
+          <a:p>
+            <a:pPr marL="514350" indent="-514350">
+              <a:buFont typeface="Arial" panose="020B0604020202020204" pitchFamily="34" charset="0"/>
+              <a:buChar char="•"/>
+            </a:pPr>
+            <a:r>
+              <a:rPr lang="en-US" sz="3200" b="1" dirty="0"/>
+              <a:t>CONTROL</a:t>
+            </a:r>
+          </a:p>
+          <a:p>
+            <a:pPr marL="971550" lvl="1" indent="-514350">
+              <a:buFont typeface="Wingdings" panose="05000000000000000000" pitchFamily="2" charset="2"/>
+              <a:buChar char="Ø"/>
+            </a:pPr>
+            <a:r>
+              <a:rPr lang="en-US" sz="3200" dirty="0"/>
+              <a:t>Issue Logs + Meeting</a:t>
+            </a:r>
+          </a:p>
+          <a:p>
+            <a:pPr marL="1371600" lvl="2" indent="-457200">
+              <a:buFont typeface="Wingdings" panose="05000000000000000000" pitchFamily="2" charset="2"/>
+              <a:buChar char="ü"/>
+            </a:pPr>
+            <a:r>
+              <a:rPr lang="en-US" sz="2400" b="1" i="1" dirty="0"/>
+              <a:t>Issue Log</a:t>
+            </a:r>
+            <a:r>
+              <a:rPr lang="en-US" sz="2400" i="1" dirty="0"/>
+              <a:t>: provide meeting guidelines</a:t>
+            </a:r>
+          </a:p>
+          <a:p>
+            <a:pPr marL="1371600" lvl="2" indent="-457200">
+              <a:buFont typeface="Wingdings" panose="05000000000000000000" pitchFamily="2" charset="2"/>
+              <a:buChar char="ü"/>
+            </a:pPr>
+            <a:r>
+              <a:rPr lang="en-US" sz="2400" b="1" i="1" dirty="0"/>
+              <a:t>Meeting</a:t>
+            </a:r>
+            <a:r>
+              <a:rPr lang="en-US" sz="2400" i="1" dirty="0"/>
+              <a:t>: deliver tasks &amp; report issue log progress</a:t>
+            </a:r>
+            <a:endParaRPr lang="en-US" sz="4000" dirty="0"/>
+          </a:p>
+        </p:txBody>
+      </p:sp>
+      <p:pic>
+        <p:nvPicPr>
+          <p:cNvPr id="12" name="Picture 11">
+            <a:extLst>
+              <a:ext uri="{FF2B5EF4-FFF2-40B4-BE49-F238E27FC236}">
+                <a16:creationId xmlns:a16="http://schemas.microsoft.com/office/drawing/2014/main" id="{D60F7E7C-ABAF-45BA-BE62-FBDDDB2CE4ED}"/>
+              </a:ext>
+            </a:extLst>
+          </p:cNvPr>
+          <p:cNvPicPr/>
+          <p:nvPr/>
+        </p:nvPicPr>
+        <p:blipFill>
+          <a:blip r:embed="rId2"/>
+          <a:stretch>
+            <a:fillRect/>
+          </a:stretch>
+        </p:blipFill>
+        <p:spPr>
+          <a:xfrm>
+            <a:off x="1898521" y="3666807"/>
+            <a:ext cx="8813858" cy="2836830"/>
+          </a:xfrm>
+          <a:prstGeom prst="rect">
+            <a:avLst/>
+          </a:prstGeom>
+        </p:spPr>
+      </p:pic>
+    </p:spTree>
+    <p:extLst>
+      <p:ext uri="{BB962C8B-B14F-4D97-AF65-F5344CB8AC3E}">
+        <p14:creationId xmlns:p14="http://schemas.microsoft.com/office/powerpoint/2010/main" val="1654407905"/>
+      </p:ext>
+    </p:extLst>
+  </p:cSld>
+  <p:clrMapOvr>
+    <a:masterClrMapping/>
+  </p:clrMapOvr>
+</p:sld>
+</file>
+
+<file path=ppt/slides/slide32.xml><?xml version="1.0" encoding="utf-8"?>
+<p:sld xmlns:a="http://schemas.openxmlformats.org/drawingml/2006/main" xmlns:r="http://schemas.openxmlformats.org/officeDocument/2006/relationships" xmlns:p="http://schemas.openxmlformats.org/presentationml/2006/main">
+  <p:cSld>
+    <p:spTree>
+      <p:nvGrpSpPr>
+        <p:cNvPr id="1" name=""/>
+        <p:cNvGrpSpPr/>
+        <p:nvPr/>
+      </p:nvGrpSpPr>
+      <p:grpSpPr>
+        <a:xfrm>
+          <a:off x="0" y="0"/>
+          <a:ext cx="0" cy="0"/>
+          <a:chOff x="0" y="0"/>
+          <a:chExt cx="0" cy="0"/>
+        </a:xfrm>
+      </p:grpSpPr>
+      <p:sp>
+        <p:nvSpPr>
+          <p:cNvPr id="2" name="TextBox 1">
+            <a:extLst>
+              <a:ext uri="{FF2B5EF4-FFF2-40B4-BE49-F238E27FC236}">
+                <a16:creationId xmlns:a16="http://schemas.microsoft.com/office/drawing/2014/main" id="{B7272488-AA4A-4AF9-97E6-2E857C9BA88D}"/>
+              </a:ext>
+            </a:extLst>
+          </p:cNvPr>
+          <p:cNvSpPr txBox="1"/>
+          <p:nvPr/>
+        </p:nvSpPr>
+        <p:spPr>
+          <a:xfrm>
+            <a:off x="318049" y="200108"/>
             <a:ext cx="7294332" cy="769441"/>
           </a:xfrm>
           <a:prstGeom prst="rect">
@@ -20836,7 +21473,7 @@
 </p:sld>
 </file>
 
-<file path=ppt/slides/slide31.xml><?xml version="1.0" encoding="utf-8"?>
+<file path=ppt/slides/slide33.xml><?xml version="1.0" encoding="utf-8"?>
 <p:sld xmlns:a="http://schemas.openxmlformats.org/drawingml/2006/main" xmlns:r="http://schemas.openxmlformats.org/officeDocument/2006/relationships" xmlns:p="http://schemas.openxmlformats.org/presentationml/2006/main">
   <p:cSld>
     <p:spTree>
@@ -21096,7 +21733,7 @@
 </p:sld>
 </file>
 
-<file path=ppt/slides/slide32.xml><?xml version="1.0" encoding="utf-8"?>
+<file path=ppt/slides/slide34.xml><?xml version="1.0" encoding="utf-8"?>
 <p:sld xmlns:a="http://schemas.openxmlformats.org/drawingml/2006/main" xmlns:r="http://schemas.openxmlformats.org/officeDocument/2006/relationships" xmlns:p="http://schemas.openxmlformats.org/presentationml/2006/main">
   <p:cSld>
     <p:spTree>
@@ -21360,7 +21997,7 @@
 </p:sld>
 </file>
 
-<file path=ppt/slides/slide33.xml><?xml version="1.0" encoding="utf-8"?>
+<file path=ppt/slides/slide35.xml><?xml version="1.0" encoding="utf-8"?>
 <p:sld xmlns:a="http://schemas.openxmlformats.org/drawingml/2006/main" xmlns:r="http://schemas.openxmlformats.org/officeDocument/2006/relationships" xmlns:p="http://schemas.openxmlformats.org/presentationml/2006/main">
   <p:cSld>
     <p:spTree>
@@ -21482,7 +22119,7 @@
 </p:sld>
 </file>
 
-<file path=ppt/slides/slide34.xml><?xml version="1.0" encoding="utf-8"?>
+<file path=ppt/slides/slide36.xml><?xml version="1.0" encoding="utf-8"?>
 <p:sld xmlns:a="http://schemas.openxmlformats.org/drawingml/2006/main" xmlns:r="http://schemas.openxmlformats.org/officeDocument/2006/relationships" xmlns:p="http://schemas.openxmlformats.org/presentationml/2006/main">
   <p:cSld>
     <p:spTree>
@@ -23247,7 +23884,7 @@
         </p:nvGraphicFramePr>
         <p:xfrm>
           <a:off x="702366" y="1416999"/>
-          <a:ext cx="5287620" cy="4228430"/>
+          <a:ext cx="5287620" cy="4572000"/>
         </p:xfrm>
         <a:graphic>
           <a:graphicData uri="http://schemas.openxmlformats.org/drawingml/2006/table">
